--- a/Projet sur mandat - Semaine 2.pptx
+++ b/Projet sur mandat - Semaine 2.pptx
@@ -259,8 +259,11 @@
     </a:lvl9pPr>
   </p:defaultTextStyle>
   <p:extLst>
+    <p:ext uri="{EFAFB233-063F-42B5-8137-9DF3F51BA10A}">
+      <p15:sldGuideLst xmlns:p15="http://schemas.microsoft.com/office/powerpoint/2012/main"/>
+    </p:ext>
     <p:ext uri="http://customooxmlschemas.google.com/">
-      <go:slidesCustomData xmlns:go="http://customooxmlschemas.google.com/" xmlns:ahyp="http://schemas.microsoft.com/office/drawing/2018/hyperlinkcolor" xmlns:p15="http://schemas.microsoft.com/office/powerpoint/2012/main" xmlns:p14="http://schemas.microsoft.com/office/powerpoint/2010/main" xmlns:com="http://schemas.openxmlformats.org/drawingml/2006/compatibility" xmlns:pvml="urn:schemas-microsoft-com:office:powerpoint" xmlns:v="urn:schemas-microsoft-com:vml" xmlns:o="urn:schemas-microsoft-com:office:office" xmlns:dgm="http://schemas.openxmlformats.org/drawingml/2006/diagram" xmlns:c="http://schemas.openxmlformats.org/drawingml/2006/chart" xmlns:mv="urn:schemas-microsoft-com:mac:vml" xmlns:mc="http://schemas.openxmlformats.org/markup-compatibility/2006" xmlns="" r:id="rId21" roundtripDataSignature="AMtx7miDT+KOaoebDeAFmi87g8kfmRj20A=="/>
+      <go:slidesCustomData xmlns="" xmlns:mc="http://schemas.openxmlformats.org/markup-compatibility/2006" xmlns:mv="urn:schemas-microsoft-com:mac:vml" xmlns:c="http://schemas.openxmlformats.org/drawingml/2006/chart" xmlns:dgm="http://schemas.openxmlformats.org/drawingml/2006/diagram" xmlns:o="urn:schemas-microsoft-com:office:office" xmlns:v="urn:schemas-microsoft-com:vml" xmlns:pvml="urn:schemas-microsoft-com:office:powerpoint" xmlns:com="http://schemas.openxmlformats.org/drawingml/2006/compatibility" xmlns:p14="http://schemas.microsoft.com/office/powerpoint/2010/main" xmlns:p15="http://schemas.microsoft.com/office/powerpoint/2012/main" xmlns:ahyp="http://schemas.microsoft.com/office/drawing/2018/hyperlinkcolor" xmlns:go="http://customooxmlschemas.google.com/" r:id="rId21" roundtripDataSignature="AMtx7miDT+KOaoebDeAFmi87g8kfmRj20A=="/>
     </p:ext>
   </p:extLst>
 </p:presentation>
@@ -15951,6 +15954,30 @@
           </a:p>
         </p:txBody>
       </p:sp>
+      <p:pic>
+        <p:nvPicPr>
+          <p:cNvPr id="2" name="Image 1"/>
+          <p:cNvPicPr>
+            <a:picLocks noChangeAspect="1"/>
+          </p:cNvPicPr>
+          <p:nvPr/>
+        </p:nvPicPr>
+        <p:blipFill>
+          <a:blip r:embed="rId3"/>
+          <a:stretch>
+            <a:fillRect/>
+          </a:stretch>
+        </p:blipFill>
+        <p:spPr>
+          <a:xfrm>
+            <a:off x="228600" y="1010331"/>
+            <a:ext cx="11634199" cy="5687982"/>
+          </a:xfrm>
+          <a:prstGeom prst="rect">
+            <a:avLst/>
+          </a:prstGeom>
+        </p:spPr>
+      </p:pic>
     </p:spTree>
     <p:extLst>
       <p:ext uri="{BB962C8B-B14F-4D97-AF65-F5344CB8AC3E}">
